--- a/PPTs/Programacion y Laboratorio II-201903.pptx
+++ b/PPTs/Programacion y Laboratorio II-201903.pptx
@@ -8601,6 +8601,13 @@
   <p:clrMapOvr>
     <a:masterClrMapping/>
   </p:clrMapOvr>
+  <p:timing>
+    <p:tnLst>
+      <p:par>
+        <p:cTn id="1" dur="indefinite" restart="never" nodeType="tmRoot"/>
+      </p:par>
+    </p:tnLst>
+  </p:timing>
 </p:sld>
 </file>
 
@@ -8788,6 +8795,13 @@
   <p:clrMapOvr>
     <a:masterClrMapping/>
   </p:clrMapOvr>
+  <p:timing>
+    <p:tnLst>
+      <p:par>
+        <p:cTn id="1" dur="indefinite" restart="never" nodeType="tmRoot"/>
+      </p:par>
+    </p:tnLst>
+  </p:timing>
 </p:sld>
 </file>
 
@@ -8982,6 +8996,13 @@
   <p:clrMapOvr>
     <a:masterClrMapping/>
   </p:clrMapOvr>
+  <p:timing>
+    <p:tnLst>
+      <p:par>
+        <p:cTn id="1" dur="indefinite" restart="never" nodeType="tmRoot"/>
+      </p:par>
+    </p:tnLst>
+  </p:timing>
 </p:sld>
 </file>
 
@@ -9146,6 +9167,13 @@
   <p:clrMapOvr>
     <a:masterClrMapping/>
   </p:clrMapOvr>
+  <p:timing>
+    <p:tnLst>
+      <p:par>
+        <p:cTn id="1" dur="indefinite" restart="never" nodeType="tmRoot"/>
+      </p:par>
+    </p:tnLst>
+  </p:timing>
 </p:sld>
 </file>
 
@@ -9263,6 +9291,13 @@
   <p:clrMapOvr>
     <a:masterClrMapping/>
   </p:clrMapOvr>
+  <p:timing>
+    <p:tnLst>
+      <p:par>
+        <p:cTn id="1" dur="indefinite" restart="never" nodeType="tmRoot"/>
+      </p:par>
+    </p:tnLst>
+  </p:timing>
 </p:sld>
 </file>
 
@@ -9384,7 +9419,19 @@
                   </a:outerShdw>
                 </a:effectLst>
               </a:rPr>
-              <a:t>Cursada día Miércoles: 10 de </a:t>
+              <a:t>Cursada día Miércoles: </a:t>
+            </a:r>
+            <a:r>
+              <a:rPr lang="es-AR" dirty="0">
+                <a:effectLst>
+                  <a:outerShdw blurRad="38100" dist="38100" dir="2700000" algn="tl">
+                    <a:srgbClr val="000000">
+                      <a:alpha val="43137"/>
+                    </a:srgbClr>
+                  </a:outerShdw>
+                </a:effectLst>
+              </a:rPr>
+              <a:t>8</a:t>
             </a:r>
             <a:r>
               <a:rPr lang="es-AR" dirty="0" smtClean="0">
@@ -9396,17 +9443,56 @@
                   </a:outerShdw>
                 </a:effectLst>
               </a:rPr>
-              <a:t>abril y 8 de mayo 18:30hs</a:t>
-            </a:r>
-            <a:endParaRPr lang="es-AR" dirty="0" smtClean="0">
-              <a:effectLst>
-                <a:outerShdw blurRad="38100" dist="38100" dir="2700000" algn="tl">
-                  <a:srgbClr val="000000">
-                    <a:alpha val="43137"/>
-                  </a:srgbClr>
-                </a:outerShdw>
-              </a:effectLst>
-            </a:endParaRPr>
+              <a:t> de mayo </a:t>
+            </a:r>
+            <a:r>
+              <a:rPr lang="es-AR" smtClean="0">
+                <a:effectLst>
+                  <a:outerShdw blurRad="38100" dist="38100" dir="2700000" algn="tl">
+                    <a:srgbClr val="000000">
+                      <a:alpha val="43137"/>
+                    </a:srgbClr>
+                  </a:outerShdw>
+                </a:effectLst>
+              </a:rPr>
+              <a:t>y </a:t>
+            </a:r>
+            <a:r>
+              <a:rPr lang="es-AR" smtClean="0">
+                <a:effectLst>
+                  <a:outerShdw blurRad="38100" dist="38100" dir="2700000" algn="tl">
+                    <a:srgbClr val="000000">
+                      <a:alpha val="43137"/>
+                    </a:srgbClr>
+                  </a:outerShdw>
+                </a:effectLst>
+              </a:rPr>
+              <a:t>19 de </a:t>
+            </a:r>
+            <a:r>
+              <a:rPr lang="es-AR" dirty="0" smtClean="0">
+                <a:effectLst>
+                  <a:outerShdw blurRad="38100" dist="38100" dir="2700000" algn="tl">
+                    <a:srgbClr val="000000">
+                      <a:alpha val="43137"/>
+                    </a:srgbClr>
+                  </a:outerShdw>
+                </a:effectLst>
+              </a:rPr>
+              <a:t>junio </a:t>
+            </a:r>
+            <a:r>
+              <a:rPr lang="es-AR" dirty="0" smtClean="0">
+                <a:effectLst>
+                  <a:outerShdw blurRad="38100" dist="38100" dir="2700000" algn="tl">
+                    <a:srgbClr val="000000">
+                      <a:alpha val="43137"/>
+                    </a:srgbClr>
+                  </a:outerShdw>
+                </a:effectLst>
+              </a:rPr>
+              <a:t>18:30hs</a:t>
+            </a:r>
           </a:p>
           <a:p>
             <a:endParaRPr lang="es-AR" dirty="0" smtClean="0">
@@ -9448,7 +9534,7 @@
               <a:t>Cursada día Martes: </a:t>
             </a:r>
             <a:r>
-              <a:rPr lang="es-AR" dirty="0" smtClean="0">
+              <a:rPr lang="es-AR" dirty="0">
                 <a:effectLst>
                   <a:outerShdw blurRad="38100" dist="38100" dir="2700000" algn="tl">
                     <a:srgbClr val="000000">
@@ -9457,31 +9543,7 @@
                   </a:outerShdw>
                 </a:effectLst>
               </a:rPr>
-              <a:t>16 </a:t>
-            </a:r>
-            <a:r>
-              <a:rPr lang="es-AR" dirty="0" smtClean="0">
-                <a:effectLst>
-                  <a:outerShdw blurRad="38100" dist="38100" dir="2700000" algn="tl">
-                    <a:srgbClr val="000000">
-                      <a:alpha val="43137"/>
-                    </a:srgbClr>
-                  </a:outerShdw>
-                </a:effectLst>
-              </a:rPr>
-              <a:t>de </a:t>
-            </a:r>
-            <a:r>
-              <a:rPr lang="es-AR" dirty="0" smtClean="0">
-                <a:effectLst>
-                  <a:outerShdw blurRad="38100" dist="38100" dir="2700000" algn="tl">
-                    <a:srgbClr val="000000">
-                      <a:alpha val="43137"/>
-                    </a:srgbClr>
-                  </a:outerShdw>
-                </a:effectLst>
-              </a:rPr>
-              <a:t>abril y 14 de mayo </a:t>
+              <a:t>7 de mayo y 25 de junio </a:t>
             </a:r>
             <a:r>
               <a:rPr lang="es-AR" dirty="0" smtClean="0">
@@ -9520,7 +9582,7 @@
                   </a:outerShdw>
                 </a:effectLst>
               </a:rPr>
-              <a:t>11 </a:t>
+              <a:t>9 </a:t>
             </a:r>
             <a:r>
               <a:rPr lang="es-AR" dirty="0">
@@ -9532,7 +9594,7 @@
                   </a:outerShdw>
                 </a:effectLst>
               </a:rPr>
-              <a:t>de </a:t>
+              <a:t>de mayo y </a:t>
             </a:r>
             <a:r>
               <a:rPr lang="es-AR" dirty="0" smtClean="0">
@@ -9544,55 +9606,7 @@
                   </a:outerShdw>
                 </a:effectLst>
               </a:rPr>
-              <a:t>abril </a:t>
-            </a:r>
-            <a:r>
-              <a:rPr lang="es-AR" dirty="0" smtClean="0">
-                <a:effectLst>
-                  <a:outerShdw blurRad="38100" dist="38100" dir="2700000" algn="tl">
-                    <a:srgbClr val="000000">
-                      <a:alpha val="43137"/>
-                    </a:srgbClr>
-                  </a:outerShdw>
-                </a:effectLst>
-              </a:rPr>
-              <a:t>y </a:t>
-            </a:r>
-            <a:r>
-              <a:rPr lang="es-AR" dirty="0" smtClean="0">
-                <a:effectLst>
-                  <a:outerShdw blurRad="38100" dist="38100" dir="2700000" algn="tl">
-                    <a:srgbClr val="000000">
-                      <a:alpha val="43137"/>
-                    </a:srgbClr>
-                  </a:outerShdw>
-                </a:effectLst>
-              </a:rPr>
-              <a:t>16 </a:t>
-            </a:r>
-            <a:r>
-              <a:rPr lang="es-AR" dirty="0" smtClean="0">
-                <a:effectLst>
-                  <a:outerShdw blurRad="38100" dist="38100" dir="2700000" algn="tl">
-                    <a:srgbClr val="000000">
-                      <a:alpha val="43137"/>
-                    </a:srgbClr>
-                  </a:outerShdw>
-                </a:effectLst>
-              </a:rPr>
-              <a:t>de </a:t>
-            </a:r>
-            <a:r>
-              <a:rPr lang="es-AR" dirty="0" smtClean="0">
-                <a:effectLst>
-                  <a:outerShdw blurRad="38100" dist="38100" dir="2700000" algn="tl">
-                    <a:srgbClr val="000000">
-                      <a:alpha val="43137"/>
-                    </a:srgbClr>
-                  </a:outerShdw>
-                </a:effectLst>
-              </a:rPr>
-              <a:t>mayo </a:t>
+              <a:t>27 de </a:t>
             </a:r>
             <a:r>
               <a:rPr lang="es-AR" dirty="0">
@@ -9604,8 +9618,17 @@
                   </a:outerShdw>
                 </a:effectLst>
               </a:rPr>
-              <a:t>18:30hs</a:t>
-            </a:r>
+              <a:t>junio 18:30hs</a:t>
+            </a:r>
+            <a:endParaRPr lang="es-AR" dirty="0">
+              <a:effectLst>
+                <a:outerShdw blurRad="38100" dist="38100" dir="2700000" algn="tl">
+                  <a:srgbClr val="000000">
+                    <a:alpha val="43137"/>
+                  </a:srgbClr>
+                </a:outerShdw>
+              </a:effectLst>
+            </a:endParaRPr>
           </a:p>
           <a:p>
             <a:endParaRPr lang="es-AR" dirty="0"/>
@@ -9622,6 +9645,13 @@
   <p:clrMapOvr>
     <a:masterClrMapping/>
   </p:clrMapOvr>
+  <p:timing>
+    <p:tnLst>
+      <p:par>
+        <p:cTn id="1" dur="indefinite" restart="never" nodeType="tmRoot"/>
+      </p:par>
+    </p:tnLst>
+  </p:timing>
 </p:sld>
 </file>
 
@@ -9695,53 +9725,8 @@
                   </a:outerShdw>
                 </a:effectLst>
               </a:rPr>
-              <a:t>Primer llamado: </a:t>
-            </a:r>
-            <a:r>
-              <a:rPr lang="es-AR" dirty="0" smtClean="0">
-                <a:effectLst>
-                  <a:outerShdw blurRad="38100" dist="38100" dir="2700000" algn="tl">
-                    <a:srgbClr val="000000">
-                      <a:alpha val="43137"/>
-                    </a:srgbClr>
-                  </a:outerShdw>
-                </a:effectLst>
-              </a:rPr>
-              <a:t>miércoles 10 </a:t>
-            </a:r>
-            <a:r>
-              <a:rPr lang="es-AR" dirty="0" smtClean="0">
-                <a:effectLst>
-                  <a:outerShdw blurRad="38100" dist="38100" dir="2700000" algn="tl">
-                    <a:srgbClr val="000000">
-                      <a:alpha val="43137"/>
-                    </a:srgbClr>
-                  </a:outerShdw>
-                </a:effectLst>
-              </a:rPr>
-              <a:t>y jueves </a:t>
-            </a:r>
-            <a:r>
-              <a:rPr lang="es-AR" dirty="0" smtClean="0">
-                <a:effectLst>
-                  <a:outerShdw blurRad="38100" dist="38100" dir="2700000" algn="tl">
-                    <a:srgbClr val="000000">
-                      <a:alpha val="43137"/>
-                    </a:srgbClr>
-                  </a:outerShdw>
-                </a:effectLst>
-              </a:rPr>
-              <a:t>11 de julio</a:t>
-            </a:r>
-            <a:endParaRPr lang="es-AR" dirty="0" smtClean="0">
-              <a:effectLst>
-                <a:outerShdw blurRad="38100" dist="38100" dir="2700000" algn="tl">
-                  <a:srgbClr val="000000">
-                    <a:alpha val="43137"/>
-                  </a:srgbClr>
-                </a:outerShdw>
-              </a:effectLst>
-            </a:endParaRPr>
+              <a:t>Primer llamado: miércoles 10 y jueves 11 de julio</a:t>
+            </a:r>
           </a:p>
           <a:p>
             <a:r>
@@ -9778,8 +9763,21 @@
                   </a:outerShdw>
                 </a:effectLst>
               </a:rPr>
-              <a:t>17 </a:t>
-            </a:r>
+              <a:t>17 y jueves 18 de diciembre</a:t>
+            </a:r>
+          </a:p>
+          <a:p>
+            <a:endParaRPr lang="es-AR" dirty="0" smtClean="0">
+              <a:effectLst>
+                <a:outerShdw blurRad="38100" dist="38100" dir="2700000" algn="tl">
+                  <a:srgbClr val="000000">
+                    <a:alpha val="43137"/>
+                  </a:srgbClr>
+                </a:outerShdw>
+              </a:effectLst>
+            </a:endParaRPr>
+          </a:p>
+          <a:p>
             <a:r>
               <a:rPr lang="es-AR" dirty="0" smtClean="0">
                 <a:effectLst>
@@ -9790,66 +9788,8 @@
                   </a:outerShdw>
                 </a:effectLst>
               </a:rPr>
-              <a:t>y jueves 18 </a:t>
-            </a:r>
-            <a:r>
-              <a:rPr lang="es-AR" dirty="0" smtClean="0">
-                <a:effectLst>
-                  <a:outerShdw blurRad="38100" dist="38100" dir="2700000" algn="tl">
-                    <a:srgbClr val="000000">
-                      <a:alpha val="43137"/>
-                    </a:srgbClr>
-                  </a:outerShdw>
-                </a:effectLst>
-              </a:rPr>
-              <a:t>de diciembre</a:t>
-            </a:r>
-          </a:p>
-          <a:p>
-            <a:endParaRPr lang="es-AR" dirty="0" smtClean="0">
-              <a:effectLst>
-                <a:outerShdw blurRad="38100" dist="38100" dir="2700000" algn="tl">
-                  <a:srgbClr val="000000">
-                    <a:alpha val="43137"/>
-                  </a:srgbClr>
-                </a:outerShdw>
-              </a:effectLst>
-            </a:endParaRPr>
-          </a:p>
-          <a:p>
-            <a:r>
-              <a:rPr lang="es-AR" dirty="0" smtClean="0">
-                <a:effectLst>
-                  <a:outerShdw blurRad="38100" dist="38100" dir="2700000" algn="tl">
-                    <a:srgbClr val="000000">
-                      <a:alpha val="43137"/>
-                    </a:srgbClr>
-                  </a:outerShdw>
-                </a:effectLst>
-              </a:rPr>
-              <a:t>Tercer llamado</a:t>
-            </a:r>
-            <a:r>
-              <a:rPr lang="es-AR" dirty="0" smtClean="0">
-                <a:effectLst>
-                  <a:outerShdw blurRad="38100" dist="38100" dir="2700000" algn="tl">
-                    <a:srgbClr val="000000">
-                      <a:alpha val="43137"/>
-                    </a:srgbClr>
-                  </a:outerShdw>
-                </a:effectLst>
-              </a:rPr>
-              <a:t>: miércoles 31 de julio y jueves 1 de agosto</a:t>
-            </a:r>
-            <a:endParaRPr lang="es-AR" dirty="0" smtClean="0">
-              <a:effectLst>
-                <a:outerShdw blurRad="38100" dist="38100" dir="2700000" algn="tl">
-                  <a:srgbClr val="000000">
-                    <a:alpha val="43137"/>
-                  </a:srgbClr>
-                </a:outerShdw>
-              </a:effectLst>
-            </a:endParaRPr>
+              <a:t>Tercer llamado: miércoles 31 de julio y jueves 1 de agosto</a:t>
+            </a:r>
           </a:p>
           <a:p>
             <a:endParaRPr lang="es-AR" dirty="0"/>
@@ -9869,6 +9809,13 @@
   <p:clrMapOvr>
     <a:masterClrMapping/>
   </p:clrMapOvr>
+  <p:timing>
+    <p:tnLst>
+      <p:par>
+        <p:cTn id="1" dur="indefinite" restart="never" nodeType="tmRoot"/>
+      </p:par>
+    </p:tnLst>
+  </p:timing>
 </p:sld>
 </file>
 
@@ -9992,7 +9939,232 @@
                   </a:outerShdw>
                 </a:effectLst>
               </a:rPr>
-              <a:t>TP1 – </a:t>
+              <a:t>TP1 – 15 de abril 10</a:t>
+            </a:r>
+            <a:r>
+              <a:rPr lang="es-AR" dirty="0">
+                <a:effectLst>
+                  <a:outerShdw blurRad="38100" dist="38100" dir="2700000" algn="tl">
+                    <a:srgbClr val="000000">
+                      <a:alpha val="43137"/>
+                    </a:srgbClr>
+                  </a:outerShdw>
+                </a:effectLst>
+              </a:rPr>
+              <a:t> a.m.</a:t>
+            </a:r>
+          </a:p>
+          <a:p>
+            <a:pPr lvl="1"/>
+            <a:r>
+              <a:rPr lang="es-AR" dirty="0">
+                <a:effectLst>
+                  <a:outerShdw blurRad="38100" dist="38100" dir="2700000" algn="tl">
+                    <a:srgbClr val="000000">
+                      <a:alpha val="43137"/>
+                    </a:srgbClr>
+                  </a:outerShdw>
+                </a:effectLst>
+              </a:rPr>
+              <a:t>TP2 </a:t>
+            </a:r>
+            <a:r>
+              <a:rPr lang="es-AR" dirty="0" smtClean="0">
+                <a:effectLst>
+                  <a:outerShdw blurRad="38100" dist="38100" dir="2700000" algn="tl">
+                    <a:srgbClr val="000000">
+                      <a:alpha val="43137"/>
+                    </a:srgbClr>
+                  </a:outerShdw>
+                </a:effectLst>
+              </a:rPr>
+              <a:t>– 20 de mayo 10</a:t>
+            </a:r>
+            <a:r>
+              <a:rPr lang="es-AR" dirty="0">
+                <a:effectLst>
+                  <a:outerShdw blurRad="38100" dist="38100" dir="2700000" algn="tl">
+                    <a:srgbClr val="000000">
+                      <a:alpha val="43137"/>
+                    </a:srgbClr>
+                  </a:outerShdw>
+                </a:effectLst>
+              </a:rPr>
+              <a:t> a.m.</a:t>
+            </a:r>
+          </a:p>
+          <a:p>
+            <a:pPr lvl="1"/>
+            <a:r>
+              <a:rPr lang="es-AR" dirty="0">
+                <a:effectLst>
+                  <a:outerShdw blurRad="38100" dist="38100" dir="2700000" algn="tl">
+                    <a:srgbClr val="000000">
+                      <a:alpha val="43137"/>
+                    </a:srgbClr>
+                  </a:outerShdw>
+                </a:effectLst>
+              </a:rPr>
+              <a:t>TP3 </a:t>
+            </a:r>
+            <a:r>
+              <a:rPr lang="es-AR" dirty="0" smtClean="0">
+                <a:effectLst>
+                  <a:outerShdw blurRad="38100" dist="38100" dir="2700000" algn="tl">
+                    <a:srgbClr val="000000">
+                      <a:alpha val="43137"/>
+                    </a:srgbClr>
+                  </a:outerShdw>
+                </a:effectLst>
+              </a:rPr>
+              <a:t>– 10 de junio 10</a:t>
+            </a:r>
+            <a:r>
+              <a:rPr lang="es-AR" dirty="0">
+                <a:effectLst>
+                  <a:outerShdw blurRad="38100" dist="38100" dir="2700000" algn="tl">
+                    <a:srgbClr val="000000">
+                      <a:alpha val="43137"/>
+                    </a:srgbClr>
+                  </a:outerShdw>
+                </a:effectLst>
+              </a:rPr>
+              <a:t> a.m.</a:t>
+            </a:r>
+          </a:p>
+          <a:p>
+            <a:pPr lvl="1"/>
+            <a:r>
+              <a:rPr lang="es-AR" dirty="0">
+                <a:effectLst>
+                  <a:outerShdw blurRad="38100" dist="38100" dir="2700000" algn="tl">
+                    <a:srgbClr val="000000">
+                      <a:alpha val="43137"/>
+                    </a:srgbClr>
+                  </a:outerShdw>
+                </a:effectLst>
+              </a:rPr>
+              <a:t>TP4 </a:t>
+            </a:r>
+            <a:r>
+              <a:rPr lang="es-AR" dirty="0" smtClean="0">
+                <a:effectLst>
+                  <a:outerShdw blurRad="38100" dist="38100" dir="2700000" algn="tl">
+                    <a:srgbClr val="000000">
+                      <a:alpha val="43137"/>
+                    </a:srgbClr>
+                  </a:outerShdw>
+                </a:effectLst>
+              </a:rPr>
+              <a:t>– 24 de junio 10 a.m.</a:t>
+            </a:r>
+          </a:p>
+          <a:p>
+            <a:endParaRPr lang="es-AR" dirty="0">
+              <a:effectLst>
+                <a:outerShdw blurRad="38100" dist="38100" dir="2700000" algn="tl">
+                  <a:srgbClr val="000000">
+                    <a:alpha val="43137"/>
+                  </a:srgbClr>
+                </a:outerShdw>
+              </a:effectLst>
+            </a:endParaRPr>
+          </a:p>
+          <a:p>
+            <a:r>
+              <a:rPr lang="es-AR" dirty="0" smtClean="0">
+                <a:effectLst>
+                  <a:outerShdw blurRad="38100" dist="38100" dir="2700000" algn="tl">
+                    <a:srgbClr val="000000">
+                      <a:alpha val="43137"/>
+                    </a:srgbClr>
+                  </a:outerShdw>
+                </a:effectLst>
+              </a:rPr>
+              <a:t>1er </a:t>
+            </a:r>
+            <a:r>
+              <a:rPr lang="es-AR" dirty="0" err="1" smtClean="0">
+                <a:effectLst>
+                  <a:outerShdw blurRad="38100" dist="38100" dir="2700000" algn="tl">
+                    <a:srgbClr val="000000">
+                      <a:alpha val="43137"/>
+                    </a:srgbClr>
+                  </a:outerShdw>
+                </a:effectLst>
+              </a:rPr>
+              <a:t>recuperatorio</a:t>
+            </a:r>
+            <a:r>
+              <a:rPr lang="es-AR" dirty="0" smtClean="0">
+                <a:effectLst>
+                  <a:outerShdw blurRad="38100" dist="38100" dir="2700000" algn="tl">
+                    <a:srgbClr val="000000">
+                      <a:alpha val="43137"/>
+                    </a:srgbClr>
+                  </a:outerShdw>
+                </a:effectLst>
+              </a:rPr>
+              <a:t>: 8 de julio 10 </a:t>
+            </a:r>
+            <a:r>
+              <a:rPr lang="es-AR" dirty="0">
+                <a:effectLst>
+                  <a:outerShdw blurRad="38100" dist="38100" dir="2700000" algn="tl">
+                    <a:srgbClr val="000000">
+                      <a:alpha val="43137"/>
+                    </a:srgbClr>
+                  </a:outerShdw>
+                </a:effectLst>
+              </a:rPr>
+              <a:t>a.m.</a:t>
+            </a:r>
+            <a:endParaRPr lang="es-AR" dirty="0" smtClean="0">
+              <a:effectLst>
+                <a:outerShdw blurRad="38100" dist="38100" dir="2700000" algn="tl">
+                  <a:srgbClr val="000000">
+                    <a:alpha val="43137"/>
+                  </a:srgbClr>
+                </a:outerShdw>
+              </a:effectLst>
+            </a:endParaRPr>
+          </a:p>
+          <a:p>
+            <a:r>
+              <a:rPr lang="es-AR" dirty="0" smtClean="0">
+                <a:effectLst>
+                  <a:outerShdw blurRad="38100" dist="38100" dir="2700000" algn="tl">
+                    <a:srgbClr val="000000">
+                      <a:alpha val="43137"/>
+                    </a:srgbClr>
+                  </a:outerShdw>
+                </a:effectLst>
+              </a:rPr>
+              <a:t>2do </a:t>
+            </a:r>
+            <a:r>
+              <a:rPr lang="es-AR" dirty="0" err="1" smtClean="0">
+                <a:effectLst>
+                  <a:outerShdw blurRad="38100" dist="38100" dir="2700000" algn="tl">
+                    <a:srgbClr val="000000">
+                      <a:alpha val="43137"/>
+                    </a:srgbClr>
+                  </a:outerShdw>
+                </a:effectLst>
+              </a:rPr>
+              <a:t>recuperatorio</a:t>
+            </a:r>
+            <a:r>
+              <a:rPr lang="es-AR" dirty="0">
+                <a:effectLst>
+                  <a:outerShdw blurRad="38100" dist="38100" dir="2700000" algn="tl">
+                    <a:srgbClr val="000000">
+                      <a:alpha val="43137"/>
+                    </a:srgbClr>
+                  </a:outerShdw>
+                </a:effectLst>
+              </a:rPr>
+              <a:t>: </a:t>
             </a:r>
             <a:r>
               <a:rPr lang="es-AR" dirty="0" smtClean="0">
@@ -10007,42 +10179,6 @@
               <a:t>15 </a:t>
             </a:r>
             <a:r>
-              <a:rPr lang="es-AR" dirty="0" smtClean="0">
-                <a:effectLst>
-                  <a:outerShdw blurRad="38100" dist="38100" dir="2700000" algn="tl">
-                    <a:srgbClr val="000000">
-                      <a:alpha val="43137"/>
-                    </a:srgbClr>
-                  </a:outerShdw>
-                </a:effectLst>
-              </a:rPr>
-              <a:t>de </a:t>
-            </a:r>
-            <a:r>
-              <a:rPr lang="es-AR" dirty="0" smtClean="0">
-                <a:effectLst>
-                  <a:outerShdw blurRad="38100" dist="38100" dir="2700000" algn="tl">
-                    <a:srgbClr val="000000">
-                      <a:alpha val="43137"/>
-                    </a:srgbClr>
-                  </a:outerShdw>
-                </a:effectLst>
-              </a:rPr>
-              <a:t>abril </a:t>
-            </a:r>
-            <a:r>
-              <a:rPr lang="es-AR" dirty="0" smtClean="0">
-                <a:effectLst>
-                  <a:outerShdw blurRad="38100" dist="38100" dir="2700000" algn="tl">
-                    <a:srgbClr val="000000">
-                      <a:alpha val="43137"/>
-                    </a:srgbClr>
-                  </a:outerShdw>
-                </a:effectLst>
-              </a:rPr>
-              <a:t>10</a:t>
-            </a:r>
-            <a:r>
               <a:rPr lang="es-AR" dirty="0">
                 <a:effectLst>
                   <a:outerShdw blurRad="38100" dist="38100" dir="2700000" algn="tl">
@@ -10052,448 +10188,7 @@
                   </a:outerShdw>
                 </a:effectLst>
               </a:rPr>
-              <a:t> a.m.</a:t>
-            </a:r>
-          </a:p>
-          <a:p>
-            <a:pPr lvl="1"/>
-            <a:r>
-              <a:rPr lang="es-AR" dirty="0">
-                <a:effectLst>
-                  <a:outerShdw blurRad="38100" dist="38100" dir="2700000" algn="tl">
-                    <a:srgbClr val="000000">
-                      <a:alpha val="43137"/>
-                    </a:srgbClr>
-                  </a:outerShdw>
-                </a:effectLst>
-              </a:rPr>
-              <a:t>TP2 </a:t>
-            </a:r>
-            <a:r>
-              <a:rPr lang="es-AR" dirty="0" smtClean="0">
-                <a:effectLst>
-                  <a:outerShdw blurRad="38100" dist="38100" dir="2700000" algn="tl">
-                    <a:srgbClr val="000000">
-                      <a:alpha val="43137"/>
-                    </a:srgbClr>
-                  </a:outerShdw>
-                </a:effectLst>
-              </a:rPr>
-              <a:t>– </a:t>
-            </a:r>
-            <a:r>
-              <a:rPr lang="es-AR" dirty="0" smtClean="0">
-                <a:effectLst>
-                  <a:outerShdw blurRad="38100" dist="38100" dir="2700000" algn="tl">
-                    <a:srgbClr val="000000">
-                      <a:alpha val="43137"/>
-                    </a:srgbClr>
-                  </a:outerShdw>
-                </a:effectLst>
-              </a:rPr>
-              <a:t>20 </a:t>
-            </a:r>
-            <a:r>
-              <a:rPr lang="es-AR" dirty="0" smtClean="0">
-                <a:effectLst>
-                  <a:outerShdw blurRad="38100" dist="38100" dir="2700000" algn="tl">
-                    <a:srgbClr val="000000">
-                      <a:alpha val="43137"/>
-                    </a:srgbClr>
-                  </a:outerShdw>
-                </a:effectLst>
-              </a:rPr>
-              <a:t>de </a:t>
-            </a:r>
-            <a:r>
-              <a:rPr lang="es-AR" dirty="0" smtClean="0">
-                <a:effectLst>
-                  <a:outerShdw blurRad="38100" dist="38100" dir="2700000" algn="tl">
-                    <a:srgbClr val="000000">
-                      <a:alpha val="43137"/>
-                    </a:srgbClr>
-                  </a:outerShdw>
-                </a:effectLst>
-              </a:rPr>
-              <a:t>mayo </a:t>
-            </a:r>
-            <a:r>
-              <a:rPr lang="es-AR" dirty="0" smtClean="0">
-                <a:effectLst>
-                  <a:outerShdw blurRad="38100" dist="38100" dir="2700000" algn="tl">
-                    <a:srgbClr val="000000">
-                      <a:alpha val="43137"/>
-                    </a:srgbClr>
-                  </a:outerShdw>
-                </a:effectLst>
-              </a:rPr>
-              <a:t>10</a:t>
-            </a:r>
-            <a:r>
-              <a:rPr lang="es-AR" dirty="0">
-                <a:effectLst>
-                  <a:outerShdw blurRad="38100" dist="38100" dir="2700000" algn="tl">
-                    <a:srgbClr val="000000">
-                      <a:alpha val="43137"/>
-                    </a:srgbClr>
-                  </a:outerShdw>
-                </a:effectLst>
-              </a:rPr>
-              <a:t> a.m.</a:t>
-            </a:r>
-          </a:p>
-          <a:p>
-            <a:pPr lvl="1"/>
-            <a:r>
-              <a:rPr lang="es-AR" dirty="0">
-                <a:effectLst>
-                  <a:outerShdw blurRad="38100" dist="38100" dir="2700000" algn="tl">
-                    <a:srgbClr val="000000">
-                      <a:alpha val="43137"/>
-                    </a:srgbClr>
-                  </a:outerShdw>
-                </a:effectLst>
-              </a:rPr>
-              <a:t>TP3 </a:t>
-            </a:r>
-            <a:r>
-              <a:rPr lang="es-AR" dirty="0" smtClean="0">
-                <a:effectLst>
-                  <a:outerShdw blurRad="38100" dist="38100" dir="2700000" algn="tl">
-                    <a:srgbClr val="000000">
-                      <a:alpha val="43137"/>
-                    </a:srgbClr>
-                  </a:outerShdw>
-                </a:effectLst>
-              </a:rPr>
-              <a:t>– </a:t>
-            </a:r>
-            <a:r>
-              <a:rPr lang="es-AR" dirty="0" smtClean="0">
-                <a:effectLst>
-                  <a:outerShdw blurRad="38100" dist="38100" dir="2700000" algn="tl">
-                    <a:srgbClr val="000000">
-                      <a:alpha val="43137"/>
-                    </a:srgbClr>
-                  </a:outerShdw>
-                </a:effectLst>
-              </a:rPr>
-              <a:t>10 </a:t>
-            </a:r>
-            <a:r>
-              <a:rPr lang="es-AR" dirty="0" smtClean="0">
-                <a:effectLst>
-                  <a:outerShdw blurRad="38100" dist="38100" dir="2700000" algn="tl">
-                    <a:srgbClr val="000000">
-                      <a:alpha val="43137"/>
-                    </a:srgbClr>
-                  </a:outerShdw>
-                </a:effectLst>
-              </a:rPr>
-              <a:t>de </a:t>
-            </a:r>
-            <a:r>
-              <a:rPr lang="es-AR" dirty="0" smtClean="0">
-                <a:effectLst>
-                  <a:outerShdw blurRad="38100" dist="38100" dir="2700000" algn="tl">
-                    <a:srgbClr val="000000">
-                      <a:alpha val="43137"/>
-                    </a:srgbClr>
-                  </a:outerShdw>
-                </a:effectLst>
-              </a:rPr>
-              <a:t>junio </a:t>
-            </a:r>
-            <a:r>
-              <a:rPr lang="es-AR" dirty="0" smtClean="0">
-                <a:effectLst>
-                  <a:outerShdw blurRad="38100" dist="38100" dir="2700000" algn="tl">
-                    <a:srgbClr val="000000">
-                      <a:alpha val="43137"/>
-                    </a:srgbClr>
-                  </a:outerShdw>
-                </a:effectLst>
-              </a:rPr>
-              <a:t>10</a:t>
-            </a:r>
-            <a:r>
-              <a:rPr lang="es-AR" dirty="0">
-                <a:effectLst>
-                  <a:outerShdw blurRad="38100" dist="38100" dir="2700000" algn="tl">
-                    <a:srgbClr val="000000">
-                      <a:alpha val="43137"/>
-                    </a:srgbClr>
-                  </a:outerShdw>
-                </a:effectLst>
-              </a:rPr>
-              <a:t> a.m.</a:t>
-            </a:r>
-          </a:p>
-          <a:p>
-            <a:pPr lvl="1"/>
-            <a:r>
-              <a:rPr lang="es-AR" dirty="0">
-                <a:effectLst>
-                  <a:outerShdw blurRad="38100" dist="38100" dir="2700000" algn="tl">
-                    <a:srgbClr val="000000">
-                      <a:alpha val="43137"/>
-                    </a:srgbClr>
-                  </a:outerShdw>
-                </a:effectLst>
-              </a:rPr>
-              <a:t>TP4 </a:t>
-            </a:r>
-            <a:r>
-              <a:rPr lang="es-AR" dirty="0" smtClean="0">
-                <a:effectLst>
-                  <a:outerShdw blurRad="38100" dist="38100" dir="2700000" algn="tl">
-                    <a:srgbClr val="000000">
-                      <a:alpha val="43137"/>
-                    </a:srgbClr>
-                  </a:outerShdw>
-                </a:effectLst>
-              </a:rPr>
-              <a:t>– </a:t>
-            </a:r>
-            <a:r>
-              <a:rPr lang="es-AR" dirty="0" smtClean="0">
-                <a:effectLst>
-                  <a:outerShdw blurRad="38100" dist="38100" dir="2700000" algn="tl">
-                    <a:srgbClr val="000000">
-                      <a:alpha val="43137"/>
-                    </a:srgbClr>
-                  </a:outerShdw>
-                </a:effectLst>
-              </a:rPr>
-              <a:t>24 </a:t>
-            </a:r>
-            <a:r>
-              <a:rPr lang="es-AR" dirty="0" smtClean="0">
-                <a:effectLst>
-                  <a:outerShdw blurRad="38100" dist="38100" dir="2700000" algn="tl">
-                    <a:srgbClr val="000000">
-                      <a:alpha val="43137"/>
-                    </a:srgbClr>
-                  </a:outerShdw>
-                </a:effectLst>
-              </a:rPr>
-              <a:t>de </a:t>
-            </a:r>
-            <a:r>
-              <a:rPr lang="es-AR" dirty="0" smtClean="0">
-                <a:effectLst>
-                  <a:outerShdw blurRad="38100" dist="38100" dir="2700000" algn="tl">
-                    <a:srgbClr val="000000">
-                      <a:alpha val="43137"/>
-                    </a:srgbClr>
-                  </a:outerShdw>
-                </a:effectLst>
-              </a:rPr>
-              <a:t>junio </a:t>
-            </a:r>
-            <a:r>
-              <a:rPr lang="es-AR" dirty="0" smtClean="0">
-                <a:effectLst>
-                  <a:outerShdw blurRad="38100" dist="38100" dir="2700000" algn="tl">
-                    <a:srgbClr val="000000">
-                      <a:alpha val="43137"/>
-                    </a:srgbClr>
-                  </a:outerShdw>
-                </a:effectLst>
-              </a:rPr>
-              <a:t>10 a.m.</a:t>
-            </a:r>
-          </a:p>
-          <a:p>
-            <a:endParaRPr lang="es-AR" dirty="0">
-              <a:effectLst>
-                <a:outerShdw blurRad="38100" dist="38100" dir="2700000" algn="tl">
-                  <a:srgbClr val="000000">
-                    <a:alpha val="43137"/>
-                  </a:srgbClr>
-                </a:outerShdw>
-              </a:effectLst>
-            </a:endParaRPr>
-          </a:p>
-          <a:p>
-            <a:r>
-              <a:rPr lang="es-AR" dirty="0" smtClean="0">
-                <a:effectLst>
-                  <a:outerShdw blurRad="38100" dist="38100" dir="2700000" algn="tl">
-                    <a:srgbClr val="000000">
-                      <a:alpha val="43137"/>
-                    </a:srgbClr>
-                  </a:outerShdw>
-                </a:effectLst>
-              </a:rPr>
-              <a:t>1er </a:t>
-            </a:r>
-            <a:r>
-              <a:rPr lang="es-AR" dirty="0" err="1" smtClean="0">
-                <a:effectLst>
-                  <a:outerShdw blurRad="38100" dist="38100" dir="2700000" algn="tl">
-                    <a:srgbClr val="000000">
-                      <a:alpha val="43137"/>
-                    </a:srgbClr>
-                  </a:outerShdw>
-                </a:effectLst>
-              </a:rPr>
-              <a:t>recuperatorio</a:t>
-            </a:r>
-            <a:r>
-              <a:rPr lang="es-AR" dirty="0" smtClean="0">
-                <a:effectLst>
-                  <a:outerShdw blurRad="38100" dist="38100" dir="2700000" algn="tl">
-                    <a:srgbClr val="000000">
-                      <a:alpha val="43137"/>
-                    </a:srgbClr>
-                  </a:outerShdw>
-                </a:effectLst>
-              </a:rPr>
-              <a:t>: </a:t>
-            </a:r>
-            <a:r>
-              <a:rPr lang="es-AR" dirty="0" smtClean="0">
-                <a:effectLst>
-                  <a:outerShdw blurRad="38100" dist="38100" dir="2700000" algn="tl">
-                    <a:srgbClr val="000000">
-                      <a:alpha val="43137"/>
-                    </a:srgbClr>
-                  </a:outerShdw>
-                </a:effectLst>
-              </a:rPr>
-              <a:t>8 </a:t>
-            </a:r>
-            <a:r>
-              <a:rPr lang="es-AR" dirty="0" smtClean="0">
-                <a:effectLst>
-                  <a:outerShdw blurRad="38100" dist="38100" dir="2700000" algn="tl">
-                    <a:srgbClr val="000000">
-                      <a:alpha val="43137"/>
-                    </a:srgbClr>
-                  </a:outerShdw>
-                </a:effectLst>
-              </a:rPr>
-              <a:t>de </a:t>
-            </a:r>
-            <a:r>
-              <a:rPr lang="es-AR" dirty="0" smtClean="0">
-                <a:effectLst>
-                  <a:outerShdw blurRad="38100" dist="38100" dir="2700000" algn="tl">
-                    <a:srgbClr val="000000">
-                      <a:alpha val="43137"/>
-                    </a:srgbClr>
-                  </a:outerShdw>
-                </a:effectLst>
-              </a:rPr>
-              <a:t>julio 10 </a:t>
-            </a:r>
-            <a:r>
-              <a:rPr lang="es-AR" dirty="0">
-                <a:effectLst>
-                  <a:outerShdw blurRad="38100" dist="38100" dir="2700000" algn="tl">
-                    <a:srgbClr val="000000">
-                      <a:alpha val="43137"/>
-                    </a:srgbClr>
-                  </a:outerShdw>
-                </a:effectLst>
-              </a:rPr>
-              <a:t>a.m.</a:t>
-            </a:r>
-            <a:endParaRPr lang="es-AR" dirty="0" smtClean="0">
-              <a:effectLst>
-                <a:outerShdw blurRad="38100" dist="38100" dir="2700000" algn="tl">
-                  <a:srgbClr val="000000">
-                    <a:alpha val="43137"/>
-                  </a:srgbClr>
-                </a:outerShdw>
-              </a:effectLst>
-            </a:endParaRPr>
-          </a:p>
-          <a:p>
-            <a:r>
-              <a:rPr lang="es-AR" dirty="0" smtClean="0">
-                <a:effectLst>
-                  <a:outerShdw blurRad="38100" dist="38100" dir="2700000" algn="tl">
-                    <a:srgbClr val="000000">
-                      <a:alpha val="43137"/>
-                    </a:srgbClr>
-                  </a:outerShdw>
-                </a:effectLst>
-              </a:rPr>
-              <a:t>2do </a:t>
-            </a:r>
-            <a:r>
-              <a:rPr lang="es-AR" dirty="0" err="1" smtClean="0">
-                <a:effectLst>
-                  <a:outerShdw blurRad="38100" dist="38100" dir="2700000" algn="tl">
-                    <a:srgbClr val="000000">
-                      <a:alpha val="43137"/>
-                    </a:srgbClr>
-                  </a:outerShdw>
-                </a:effectLst>
-              </a:rPr>
-              <a:t>recuperatorio</a:t>
-            </a:r>
-            <a:r>
-              <a:rPr lang="es-AR" dirty="0">
-                <a:effectLst>
-                  <a:outerShdw blurRad="38100" dist="38100" dir="2700000" algn="tl">
-                    <a:srgbClr val="000000">
-                      <a:alpha val="43137"/>
-                    </a:srgbClr>
-                  </a:outerShdw>
-                </a:effectLst>
-              </a:rPr>
-              <a:t>: </a:t>
-            </a:r>
-            <a:r>
-              <a:rPr lang="es-AR" dirty="0" smtClean="0">
-                <a:effectLst>
-                  <a:outerShdw blurRad="38100" dist="38100" dir="2700000" algn="tl">
-                    <a:srgbClr val="000000">
-                      <a:alpha val="43137"/>
-                    </a:srgbClr>
-                  </a:outerShdw>
-                </a:effectLst>
-              </a:rPr>
-              <a:t>15 </a:t>
-            </a:r>
-            <a:r>
-              <a:rPr lang="es-AR" dirty="0">
-                <a:effectLst>
-                  <a:outerShdw blurRad="38100" dist="38100" dir="2700000" algn="tl">
-                    <a:srgbClr val="000000">
-                      <a:alpha val="43137"/>
-                    </a:srgbClr>
-                  </a:outerShdw>
-                </a:effectLst>
-              </a:rPr>
-              <a:t>de </a:t>
-            </a:r>
-            <a:r>
-              <a:rPr lang="es-AR" dirty="0">
-                <a:effectLst>
-                  <a:outerShdw blurRad="38100" dist="38100" dir="2700000" algn="tl">
-                    <a:srgbClr val="000000">
-                      <a:alpha val="43137"/>
-                    </a:srgbClr>
-                  </a:outerShdw>
-                </a:effectLst>
-              </a:rPr>
-              <a:t>julio 10 </a:t>
-            </a:r>
-            <a:r>
-              <a:rPr lang="es-AR" dirty="0">
-                <a:effectLst>
-                  <a:outerShdw blurRad="38100" dist="38100" dir="2700000" algn="tl">
-                    <a:srgbClr val="000000">
-                      <a:alpha val="43137"/>
-                    </a:srgbClr>
-                  </a:outerShdw>
-                </a:effectLst>
-              </a:rPr>
-              <a:t>a.m.</a:t>
+              <a:t>de julio 10 a.m.</a:t>
             </a:r>
             <a:endParaRPr lang="es-AR" dirty="0" smtClean="0">
               <a:effectLst>
@@ -10605,6 +10300,13 @@
   <p:clrMapOvr>
     <a:masterClrMapping/>
   </p:clrMapOvr>
+  <p:timing>
+    <p:tnLst>
+      <p:par>
+        <p:cTn id="1" dur="indefinite" restart="never" nodeType="tmRoot"/>
+      </p:par>
+    </p:tnLst>
+  </p:timing>
 </p:sld>
 </file>
 

--- a/PPTs/Programacion y Laboratorio II-201903.pptx
+++ b/PPTs/Programacion y Laboratorio II-201903.pptx
@@ -205,7 +205,7 @@
           <a:p>
             <a:fld id="{1E6648A2-EA33-47F9-96A0-CE144141342A}" type="datetimeFigureOut">
               <a:rPr lang="es-AR" smtClean="0"/>
-              <a:t>19/03/2019</a:t>
+              <a:t>21/03/2019</a:t>
             </a:fld>
             <a:endParaRPr lang="es-AR"/>
           </a:p>
@@ -1255,7 +1255,7 @@
           <a:p>
             <a:fld id="{78ABE3C1-DBE1-495D-B57B-2849774B866A}" type="datetimeFigureOut">
               <a:rPr lang="en-US" dirty="0"/>
-              <a:t>3/19/2019</a:t>
+              <a:t>3/21/2019</a:t>
             </a:fld>
             <a:endParaRPr lang="en-US" dirty="0"/>
           </a:p>
@@ -1664,7 +1664,7 @@
           <a:p>
             <a:fld id="{446C117F-5CCF-4837-BE5F-2B92066CAFAF}" type="datetimeFigureOut">
               <a:rPr lang="en-US" dirty="0"/>
-              <a:t>3/19/2019</a:t>
+              <a:t>3/21/2019</a:t>
             </a:fld>
             <a:endParaRPr lang="en-US" dirty="0"/>
           </a:p>
@@ -1995,7 +1995,7 @@
           <a:p>
             <a:fld id="{84EB90BD-B6CE-46B7-997F-7313B992CCDC}" type="datetimeFigureOut">
               <a:rPr lang="en-US" dirty="0"/>
-              <a:t>3/19/2019</a:t>
+              <a:t>3/21/2019</a:t>
             </a:fld>
             <a:endParaRPr lang="en-US" dirty="0"/>
           </a:p>
@@ -2395,7 +2395,7 @@
           <a:p>
             <a:fld id="{CDB9D11F-B188-461D-B23F-39381795C052}" type="datetimeFigureOut">
               <a:rPr lang="en-US" dirty="0"/>
-              <a:t>3/19/2019</a:t>
+              <a:t>3/21/2019</a:t>
             </a:fld>
             <a:endParaRPr lang="en-US" dirty="0"/>
           </a:p>
@@ -2958,7 +2958,7 @@
           <a:p>
             <a:fld id="{52E6D8D9-55A2-4063-B0F3-121F44549695}" type="datetimeFigureOut">
               <a:rPr lang="en-US" dirty="0"/>
-              <a:t>3/19/2019</a:t>
+              <a:t>3/21/2019</a:t>
             </a:fld>
             <a:endParaRPr lang="en-US" dirty="0"/>
           </a:p>
@@ -3634,7 +3634,7 @@
           <a:p>
             <a:fld id="{D4B24536-994D-4021-A283-9F449C0DB509}" type="datetimeFigureOut">
               <a:rPr lang="en-US" dirty="0"/>
-              <a:t>3/19/2019</a:t>
+              <a:t>3/21/2019</a:t>
             </a:fld>
             <a:endParaRPr lang="en-US" dirty="0"/>
           </a:p>
@@ -4542,7 +4542,7 @@
           <a:p>
             <a:fld id="{3CBBBB78-C96F-47B7-AB17-D852CA960AC9}" type="datetimeFigureOut">
               <a:rPr lang="en-US" dirty="0"/>
-              <a:t>3/19/2019</a:t>
+              <a:t>3/21/2019</a:t>
             </a:fld>
             <a:endParaRPr lang="en-US" dirty="0"/>
           </a:p>
@@ -4850,7 +4850,7 @@
           <a:p>
             <a:fld id="{1FA3F48C-C7C6-4055-9F49-3777875E72AE}" type="datetimeFigureOut">
               <a:rPr lang="en-US" dirty="0"/>
-              <a:t>3/19/2019</a:t>
+              <a:t>3/21/2019</a:t>
             </a:fld>
             <a:endParaRPr lang="en-US" dirty="0"/>
           </a:p>
@@ -5109,7 +5109,7 @@
           <a:p>
             <a:fld id="{6178E61D-D431-422C-9764-11DAFE33AB63}" type="datetimeFigureOut">
               <a:rPr lang="en-US" dirty="0"/>
-              <a:t>3/19/2019</a:t>
+              <a:t>3/21/2019</a:t>
             </a:fld>
             <a:endParaRPr lang="en-US" dirty="0"/>
           </a:p>
@@ -5428,7 +5428,7 @@
           <a:p>
             <a:fld id="{12DE42F4-6EEF-4EF7-8ED4-2208F0F89A08}" type="datetimeFigureOut">
               <a:rPr lang="en-US" dirty="0"/>
-              <a:t>3/19/2019</a:t>
+              <a:t>3/21/2019</a:t>
             </a:fld>
             <a:endParaRPr lang="en-US" dirty="0"/>
           </a:p>
@@ -5812,7 +5812,7 @@
           <a:p>
             <a:fld id="{30578ACC-22D6-47C1-A373-4FD133E34F3C}" type="datetimeFigureOut">
               <a:rPr lang="en-US" dirty="0"/>
-              <a:t>3/19/2019</a:t>
+              <a:t>3/21/2019</a:t>
             </a:fld>
             <a:endParaRPr lang="en-US" dirty="0"/>
           </a:p>
@@ -6183,7 +6183,7 @@
           <a:p>
             <a:fld id="{4E5A6C69-6797-4E8A-BF37-F2C3751466E9}" type="datetimeFigureOut">
               <a:rPr lang="en-US" dirty="0"/>
-              <a:t>3/19/2019</a:t>
+              <a:t>3/21/2019</a:t>
             </a:fld>
             <a:endParaRPr lang="en-US" dirty="0"/>
           </a:p>
@@ -6684,7 +6684,7 @@
           <a:p>
             <a:fld id="{D82014A1-A632-4878-A0D3-F52BA7563730}" type="datetimeFigureOut">
               <a:rPr lang="en-US" dirty="0"/>
-              <a:t>3/19/2019</a:t>
+              <a:t>3/21/2019</a:t>
             </a:fld>
             <a:endParaRPr lang="en-US" dirty="0"/>
           </a:p>
@@ -6936,7 +6936,7 @@
           <a:p>
             <a:fld id="{CE99F462-093F-4566-844B-4C71F2739DA5}" type="datetimeFigureOut">
               <a:rPr lang="en-US" dirty="0"/>
-              <a:t>3/19/2019</a:t>
+              <a:t>3/21/2019</a:t>
             </a:fld>
             <a:endParaRPr lang="en-US" dirty="0"/>
           </a:p>
@@ -7094,7 +7094,7 @@
           <a:p>
             <a:fld id="{3D24A7AC-904D-4781-85BA-7D10C17ED021}" type="datetimeFigureOut">
               <a:rPr lang="en-US" dirty="0"/>
-              <a:t>3/19/2019</a:t>
+              <a:t>3/21/2019</a:t>
             </a:fld>
             <a:endParaRPr lang="en-US" dirty="0"/>
           </a:p>
@@ -7479,7 +7479,7 @@
           <a:p>
             <a:fld id="{E331444B-B92B-4E27-8C94-BB93EAF5CB18}" type="datetimeFigureOut">
               <a:rPr lang="en-US" dirty="0"/>
-              <a:t>3/19/2019</a:t>
+              <a:t>3/21/2019</a:t>
             </a:fld>
             <a:endParaRPr lang="en-US" dirty="0"/>
           </a:p>
@@ -7883,7 +7883,7 @@
           <a:p>
             <a:fld id="{363EFA5E-FA76-400D-B3DC-F0BA90E6D107}" type="datetimeFigureOut">
               <a:rPr lang="en-US" dirty="0"/>
-              <a:t>3/19/2019</a:t>
+              <a:t>3/21/2019</a:t>
             </a:fld>
             <a:endParaRPr lang="en-US" dirty="0"/>
           </a:p>
@@ -8122,7 +8122,7 @@
           <a:p>
             <a:fld id="{9D6E9DEC-419B-4CC5-A080-3B06BD5A8291}" type="datetimeFigureOut">
               <a:rPr lang="en-US" dirty="0"/>
-              <a:t>3/19/2019</a:t>
+              <a:t>3/21/2019</a:t>
             </a:fld>
             <a:endParaRPr lang="en-US" dirty="0"/>
           </a:p>
@@ -9443,32 +9443,21 @@
                   </a:outerShdw>
                 </a:effectLst>
               </a:rPr>
-              <a:t> de mayo </a:t>
-            </a:r>
-            <a:r>
-              <a:rPr lang="es-AR" smtClean="0">
-                <a:effectLst>
-                  <a:outerShdw blurRad="38100" dist="38100" dir="2700000" algn="tl">
-                    <a:srgbClr val="000000">
-                      <a:alpha val="43137"/>
-                    </a:srgbClr>
-                  </a:outerShdw>
-                </a:effectLst>
-              </a:rPr>
-              <a:t>y </a:t>
-            </a:r>
-            <a:r>
-              <a:rPr lang="es-AR" smtClean="0">
-                <a:effectLst>
-                  <a:outerShdw blurRad="38100" dist="38100" dir="2700000" algn="tl">
-                    <a:srgbClr val="000000">
-                      <a:alpha val="43137"/>
-                    </a:srgbClr>
-                  </a:outerShdw>
-                </a:effectLst>
-              </a:rPr>
-              <a:t>19 de </a:t>
-            </a:r>
+              <a:t> de mayo y 19 de junio 18:30hs</a:t>
+            </a:r>
+          </a:p>
+          <a:p>
+            <a:endParaRPr lang="es-AR" dirty="0" smtClean="0">
+              <a:effectLst>
+                <a:outerShdw blurRad="38100" dist="38100" dir="2700000" algn="tl">
+                  <a:srgbClr val="000000">
+                    <a:alpha val="43137"/>
+                  </a:srgbClr>
+                </a:outerShdw>
+              </a:effectLst>
+            </a:endParaRPr>
+          </a:p>
+          <a:p>
             <a:r>
               <a:rPr lang="es-AR" dirty="0" smtClean="0">
                 <a:effectLst>
@@ -9479,7 +9468,34 @@
                   </a:outerShdw>
                 </a:effectLst>
               </a:rPr>
-              <a:t>junio </a:t>
+              <a:t>Laboratorio de Computación II:</a:t>
+            </a:r>
+          </a:p>
+          <a:p>
+            <a:pPr lvl="1"/>
+            <a:r>
+              <a:rPr lang="es-AR" dirty="0" smtClean="0">
+                <a:effectLst>
+                  <a:outerShdw blurRad="38100" dist="38100" dir="2700000" algn="tl">
+                    <a:srgbClr val="000000">
+                      <a:alpha val="43137"/>
+                    </a:srgbClr>
+                  </a:outerShdw>
+                </a:effectLst>
+              </a:rPr>
+              <a:t>Cursada día Martes: </a:t>
+            </a:r>
+            <a:r>
+              <a:rPr lang="es-AR" dirty="0">
+                <a:effectLst>
+                  <a:outerShdw blurRad="38100" dist="38100" dir="2700000" algn="tl">
+                    <a:srgbClr val="000000">
+                      <a:alpha val="43137"/>
+                    </a:srgbClr>
+                  </a:outerShdw>
+                </a:effectLst>
+              </a:rPr>
+              <a:t>7 de mayo y 25 de junio </a:t>
             </a:r>
             <a:r>
               <a:rPr lang="es-AR" dirty="0" smtClean="0">
@@ -9495,70 +9511,6 @@
             </a:r>
           </a:p>
           <a:p>
-            <a:endParaRPr lang="es-AR" dirty="0" smtClean="0">
-              <a:effectLst>
-                <a:outerShdw blurRad="38100" dist="38100" dir="2700000" algn="tl">
-                  <a:srgbClr val="000000">
-                    <a:alpha val="43137"/>
-                  </a:srgbClr>
-                </a:outerShdw>
-              </a:effectLst>
-            </a:endParaRPr>
-          </a:p>
-          <a:p>
-            <a:r>
-              <a:rPr lang="es-AR" dirty="0" smtClean="0">
-                <a:effectLst>
-                  <a:outerShdw blurRad="38100" dist="38100" dir="2700000" algn="tl">
-                    <a:srgbClr val="000000">
-                      <a:alpha val="43137"/>
-                    </a:srgbClr>
-                  </a:outerShdw>
-                </a:effectLst>
-              </a:rPr>
-              <a:t>Laboratorio de Computación II:</a:t>
-            </a:r>
-          </a:p>
-          <a:p>
-            <a:pPr lvl="1"/>
-            <a:r>
-              <a:rPr lang="es-AR" dirty="0" smtClean="0">
-                <a:effectLst>
-                  <a:outerShdw blurRad="38100" dist="38100" dir="2700000" algn="tl">
-                    <a:srgbClr val="000000">
-                      <a:alpha val="43137"/>
-                    </a:srgbClr>
-                  </a:outerShdw>
-                </a:effectLst>
-              </a:rPr>
-              <a:t>Cursada día Martes: </a:t>
-            </a:r>
-            <a:r>
-              <a:rPr lang="es-AR" dirty="0">
-                <a:effectLst>
-                  <a:outerShdw blurRad="38100" dist="38100" dir="2700000" algn="tl">
-                    <a:srgbClr val="000000">
-                      <a:alpha val="43137"/>
-                    </a:srgbClr>
-                  </a:outerShdw>
-                </a:effectLst>
-              </a:rPr>
-              <a:t>7 de mayo y 25 de junio </a:t>
-            </a:r>
-            <a:r>
-              <a:rPr lang="es-AR" dirty="0" smtClean="0">
-                <a:effectLst>
-                  <a:outerShdw blurRad="38100" dist="38100" dir="2700000" algn="tl">
-                    <a:srgbClr val="000000">
-                      <a:alpha val="43137"/>
-                    </a:srgbClr>
-                  </a:outerShdw>
-                </a:effectLst>
-              </a:rPr>
-              <a:t>18:30hs</a:t>
-            </a:r>
-          </a:p>
-          <a:p>
             <a:pPr lvl="1"/>
             <a:r>
               <a:rPr lang="es-AR" dirty="0" smtClean="0">
@@ -9620,15 +9572,6 @@
               </a:rPr>
               <a:t>junio 18:30hs</a:t>
             </a:r>
-            <a:endParaRPr lang="es-AR" dirty="0">
-              <a:effectLst>
-                <a:outerShdw blurRad="38100" dist="38100" dir="2700000" algn="tl">
-                  <a:srgbClr val="000000">
-                    <a:alpha val="43137"/>
-                  </a:srgbClr>
-                </a:outerShdw>
-              </a:effectLst>
-            </a:endParaRPr>
           </a:p>
           <a:p>
             <a:endParaRPr lang="es-AR" dirty="0"/>
@@ -9763,8 +9706,29 @@
                   </a:outerShdw>
                 </a:effectLst>
               </a:rPr>
-              <a:t>17 y jueves 18 de diciembre</a:t>
-            </a:r>
+              <a:t>17 y jueves 18 de </a:t>
+            </a:r>
+            <a:r>
+              <a:rPr lang="es-AR" dirty="0">
+                <a:effectLst>
+                  <a:outerShdw blurRad="38100" dist="38100" dir="2700000" algn="tl">
+                    <a:srgbClr val="000000">
+                      <a:alpha val="43137"/>
+                    </a:srgbClr>
+                  </a:outerShdw>
+                </a:effectLst>
+              </a:rPr>
+              <a:t>julio</a:t>
+            </a:r>
+            <a:endParaRPr lang="es-AR" dirty="0" smtClean="0">
+              <a:effectLst>
+                <a:outerShdw blurRad="38100" dist="38100" dir="2700000" algn="tl">
+                  <a:srgbClr val="000000">
+                    <a:alpha val="43137"/>
+                  </a:srgbClr>
+                </a:outerShdw>
+              </a:effectLst>
+            </a:endParaRPr>
           </a:p>
           <a:p>
             <a:endParaRPr lang="es-AR" dirty="0" smtClean="0">
@@ -9930,7 +9894,7 @@
           <a:p>
             <a:pPr lvl="1"/>
             <a:r>
-              <a:rPr lang="es-AR" dirty="0" smtClean="0">
+              <a:rPr lang="es-AR" b="1" dirty="0" smtClean="0">
                 <a:effectLst>
                   <a:outerShdw blurRad="38100" dist="38100" dir="2700000" algn="tl">
                     <a:srgbClr val="000000">
@@ -9942,7 +9906,7 @@
               <a:t>TP1 – 15 de abril 10</a:t>
             </a:r>
             <a:r>
-              <a:rPr lang="es-AR" dirty="0">
+              <a:rPr lang="es-AR" b="1" dirty="0">
                 <a:effectLst>
                   <a:outerShdw blurRad="38100" dist="38100" dir="2700000" algn="tl">
                     <a:srgbClr val="000000">
@@ -9957,7 +9921,7 @@
           <a:p>
             <a:pPr lvl="1"/>
             <a:r>
-              <a:rPr lang="es-AR" dirty="0">
+              <a:rPr lang="es-AR" b="1" dirty="0">
                 <a:effectLst>
                   <a:outerShdw blurRad="38100" dist="38100" dir="2700000" algn="tl">
                     <a:srgbClr val="000000">
@@ -9969,7 +9933,7 @@
               <a:t>TP2 </a:t>
             </a:r>
             <a:r>
-              <a:rPr lang="es-AR" dirty="0" smtClean="0">
+              <a:rPr lang="es-AR" b="1" dirty="0" smtClean="0">
                 <a:effectLst>
                   <a:outerShdw blurRad="38100" dist="38100" dir="2700000" algn="tl">
                     <a:srgbClr val="000000">
@@ -9981,7 +9945,7 @@
               <a:t>– 20 de mayo 10</a:t>
             </a:r>
             <a:r>
-              <a:rPr lang="es-AR" dirty="0">
+              <a:rPr lang="es-AR" b="1" dirty="0">
                 <a:effectLst>
                   <a:outerShdw blurRad="38100" dist="38100" dir="2700000" algn="tl">
                     <a:srgbClr val="000000">
@@ -9996,7 +9960,7 @@
           <a:p>
             <a:pPr lvl="1"/>
             <a:r>
-              <a:rPr lang="es-AR" dirty="0">
+              <a:rPr lang="es-AR" b="1" dirty="0">
                 <a:effectLst>
                   <a:outerShdw blurRad="38100" dist="38100" dir="2700000" algn="tl">
                     <a:srgbClr val="000000">
@@ -10008,7 +9972,7 @@
               <a:t>TP3 </a:t>
             </a:r>
             <a:r>
-              <a:rPr lang="es-AR" dirty="0" smtClean="0">
+              <a:rPr lang="es-AR" b="1" dirty="0" smtClean="0">
                 <a:effectLst>
                   <a:outerShdw blurRad="38100" dist="38100" dir="2700000" algn="tl">
                     <a:srgbClr val="000000">
@@ -10020,7 +9984,7 @@
               <a:t>– 10 de junio 10</a:t>
             </a:r>
             <a:r>
-              <a:rPr lang="es-AR" dirty="0">
+              <a:rPr lang="es-AR" b="1" dirty="0">
                 <a:effectLst>
                   <a:outerShdw blurRad="38100" dist="38100" dir="2700000" algn="tl">
                     <a:srgbClr val="000000">
@@ -10035,7 +9999,7 @@
           <a:p>
             <a:pPr lvl="1"/>
             <a:r>
-              <a:rPr lang="es-AR" dirty="0">
+              <a:rPr lang="es-AR" b="1" dirty="0">
                 <a:effectLst>
                   <a:outerShdw blurRad="38100" dist="38100" dir="2700000" algn="tl">
                     <a:srgbClr val="000000">
@@ -10047,7 +10011,7 @@
               <a:t>TP4 </a:t>
             </a:r>
             <a:r>
-              <a:rPr lang="es-AR" dirty="0" smtClean="0">
+              <a:rPr lang="es-AR" b="1" dirty="0" smtClean="0">
                 <a:effectLst>
                   <a:outerShdw blurRad="38100" dist="38100" dir="2700000" algn="tl">
                     <a:srgbClr val="000000">

--- a/PPTs/Programacion y Laboratorio II-201903.pptx
+++ b/PPTs/Programacion y Laboratorio II-201903.pptx
@@ -205,7 +205,7 @@
           <a:p>
             <a:fld id="{1E6648A2-EA33-47F9-96A0-CE144141342A}" type="datetimeFigureOut">
               <a:rPr lang="es-AR" smtClean="0"/>
-              <a:t>21/03/2019</a:t>
+              <a:t>27/03/2019</a:t>
             </a:fld>
             <a:endParaRPr lang="es-AR"/>
           </a:p>
@@ -1255,7 +1255,7 @@
           <a:p>
             <a:fld id="{78ABE3C1-DBE1-495D-B57B-2849774B866A}" type="datetimeFigureOut">
               <a:rPr lang="en-US" dirty="0"/>
-              <a:t>3/21/2019</a:t>
+              <a:t>3/27/2019</a:t>
             </a:fld>
             <a:endParaRPr lang="en-US" dirty="0"/>
           </a:p>
@@ -1664,7 +1664,7 @@
           <a:p>
             <a:fld id="{446C117F-5CCF-4837-BE5F-2B92066CAFAF}" type="datetimeFigureOut">
               <a:rPr lang="en-US" dirty="0"/>
-              <a:t>3/21/2019</a:t>
+              <a:t>3/27/2019</a:t>
             </a:fld>
             <a:endParaRPr lang="en-US" dirty="0"/>
           </a:p>
@@ -1995,7 +1995,7 @@
           <a:p>
             <a:fld id="{84EB90BD-B6CE-46B7-997F-7313B992CCDC}" type="datetimeFigureOut">
               <a:rPr lang="en-US" dirty="0"/>
-              <a:t>3/21/2019</a:t>
+              <a:t>3/27/2019</a:t>
             </a:fld>
             <a:endParaRPr lang="en-US" dirty="0"/>
           </a:p>
@@ -2395,7 +2395,7 @@
           <a:p>
             <a:fld id="{CDB9D11F-B188-461D-B23F-39381795C052}" type="datetimeFigureOut">
               <a:rPr lang="en-US" dirty="0"/>
-              <a:t>3/21/2019</a:t>
+              <a:t>3/27/2019</a:t>
             </a:fld>
             <a:endParaRPr lang="en-US" dirty="0"/>
           </a:p>
@@ -2958,7 +2958,7 @@
           <a:p>
             <a:fld id="{52E6D8D9-55A2-4063-B0F3-121F44549695}" type="datetimeFigureOut">
               <a:rPr lang="en-US" dirty="0"/>
-              <a:t>3/21/2019</a:t>
+              <a:t>3/27/2019</a:t>
             </a:fld>
             <a:endParaRPr lang="en-US" dirty="0"/>
           </a:p>
@@ -3634,7 +3634,7 @@
           <a:p>
             <a:fld id="{D4B24536-994D-4021-A283-9F449C0DB509}" type="datetimeFigureOut">
               <a:rPr lang="en-US" dirty="0"/>
-              <a:t>3/21/2019</a:t>
+              <a:t>3/27/2019</a:t>
             </a:fld>
             <a:endParaRPr lang="en-US" dirty="0"/>
           </a:p>
@@ -4542,7 +4542,7 @@
           <a:p>
             <a:fld id="{3CBBBB78-C96F-47B7-AB17-D852CA960AC9}" type="datetimeFigureOut">
               <a:rPr lang="en-US" dirty="0"/>
-              <a:t>3/21/2019</a:t>
+              <a:t>3/27/2019</a:t>
             </a:fld>
             <a:endParaRPr lang="en-US" dirty="0"/>
           </a:p>
@@ -4850,7 +4850,7 @@
           <a:p>
             <a:fld id="{1FA3F48C-C7C6-4055-9F49-3777875E72AE}" type="datetimeFigureOut">
               <a:rPr lang="en-US" dirty="0"/>
-              <a:t>3/21/2019</a:t>
+              <a:t>3/27/2019</a:t>
             </a:fld>
             <a:endParaRPr lang="en-US" dirty="0"/>
           </a:p>
@@ -5109,7 +5109,7 @@
           <a:p>
             <a:fld id="{6178E61D-D431-422C-9764-11DAFE33AB63}" type="datetimeFigureOut">
               <a:rPr lang="en-US" dirty="0"/>
-              <a:t>3/21/2019</a:t>
+              <a:t>3/27/2019</a:t>
             </a:fld>
             <a:endParaRPr lang="en-US" dirty="0"/>
           </a:p>
@@ -5428,7 +5428,7 @@
           <a:p>
             <a:fld id="{12DE42F4-6EEF-4EF7-8ED4-2208F0F89A08}" type="datetimeFigureOut">
               <a:rPr lang="en-US" dirty="0"/>
-              <a:t>3/21/2019</a:t>
+              <a:t>3/27/2019</a:t>
             </a:fld>
             <a:endParaRPr lang="en-US" dirty="0"/>
           </a:p>
@@ -5812,7 +5812,7 @@
           <a:p>
             <a:fld id="{30578ACC-22D6-47C1-A373-4FD133E34F3C}" type="datetimeFigureOut">
               <a:rPr lang="en-US" dirty="0"/>
-              <a:t>3/21/2019</a:t>
+              <a:t>3/27/2019</a:t>
             </a:fld>
             <a:endParaRPr lang="en-US" dirty="0"/>
           </a:p>
@@ -6183,7 +6183,7 @@
           <a:p>
             <a:fld id="{4E5A6C69-6797-4E8A-BF37-F2C3751466E9}" type="datetimeFigureOut">
               <a:rPr lang="en-US" dirty="0"/>
-              <a:t>3/21/2019</a:t>
+              <a:t>3/27/2019</a:t>
             </a:fld>
             <a:endParaRPr lang="en-US" dirty="0"/>
           </a:p>
@@ -6684,7 +6684,7 @@
           <a:p>
             <a:fld id="{D82014A1-A632-4878-A0D3-F52BA7563730}" type="datetimeFigureOut">
               <a:rPr lang="en-US" dirty="0"/>
-              <a:t>3/21/2019</a:t>
+              <a:t>3/27/2019</a:t>
             </a:fld>
             <a:endParaRPr lang="en-US" dirty="0"/>
           </a:p>
@@ -6936,7 +6936,7 @@
           <a:p>
             <a:fld id="{CE99F462-093F-4566-844B-4C71F2739DA5}" type="datetimeFigureOut">
               <a:rPr lang="en-US" dirty="0"/>
-              <a:t>3/21/2019</a:t>
+              <a:t>3/27/2019</a:t>
             </a:fld>
             <a:endParaRPr lang="en-US" dirty="0"/>
           </a:p>
@@ -7094,7 +7094,7 @@
           <a:p>
             <a:fld id="{3D24A7AC-904D-4781-85BA-7D10C17ED021}" type="datetimeFigureOut">
               <a:rPr lang="en-US" dirty="0"/>
-              <a:t>3/21/2019</a:t>
+              <a:t>3/27/2019</a:t>
             </a:fld>
             <a:endParaRPr lang="en-US" dirty="0"/>
           </a:p>
@@ -7479,7 +7479,7 @@
           <a:p>
             <a:fld id="{E331444B-B92B-4E27-8C94-BB93EAF5CB18}" type="datetimeFigureOut">
               <a:rPr lang="en-US" dirty="0"/>
-              <a:t>3/21/2019</a:t>
+              <a:t>3/27/2019</a:t>
             </a:fld>
             <a:endParaRPr lang="en-US" dirty="0"/>
           </a:p>
@@ -7883,7 +7883,7 @@
           <a:p>
             <a:fld id="{363EFA5E-FA76-400D-B3DC-F0BA90E6D107}" type="datetimeFigureOut">
               <a:rPr lang="en-US" dirty="0"/>
-              <a:t>3/21/2019</a:t>
+              <a:t>3/27/2019</a:t>
             </a:fld>
             <a:endParaRPr lang="en-US" dirty="0"/>
           </a:p>
@@ -8122,7 +8122,7 @@
           <a:p>
             <a:fld id="{9D6E9DEC-419B-4CC5-A080-3B06BD5A8291}" type="datetimeFigureOut">
               <a:rPr lang="en-US" dirty="0"/>
-              <a:t>3/21/2019</a:t>
+              <a:t>3/27/2019</a:t>
             </a:fld>
             <a:endParaRPr lang="en-US" dirty="0"/>
           </a:p>
@@ -9522,19 +9522,7 @@
                   </a:outerShdw>
                 </a:effectLst>
               </a:rPr>
-              <a:t>Cursada día Jueves: </a:t>
-            </a:r>
-            <a:r>
-              <a:rPr lang="es-AR" dirty="0" smtClean="0">
-                <a:effectLst>
-                  <a:outerShdw blurRad="38100" dist="38100" dir="2700000" algn="tl">
-                    <a:srgbClr val="000000">
-                      <a:alpha val="43137"/>
-                    </a:srgbClr>
-                  </a:outerShdw>
-                </a:effectLst>
-              </a:rPr>
-              <a:t>9 </a:t>
+              <a:t>Cursada día Jueves: 9 </a:t>
             </a:r>
             <a:r>
               <a:rPr lang="es-AR" dirty="0">
@@ -9651,11 +9639,13 @@
         <p:spPr>
           <a:xfrm>
             <a:off x="680321" y="2336873"/>
-            <a:ext cx="9613861" cy="2410250"/>
-          </a:xfrm>
-        </p:spPr>
-        <p:txBody>
-          <a:bodyPr/>
+            <a:ext cx="9613861" cy="3739462"/>
+          </a:xfrm>
+        </p:spPr>
+        <p:txBody>
+          <a:bodyPr>
+            <a:normAutofit/>
+          </a:bodyPr>
           <a:lstStyle/>
           <a:p>
             <a:r>
@@ -9668,10 +9658,11 @@
                   </a:outerShdw>
                 </a:effectLst>
               </a:rPr>
-              <a:t>Primer llamado: miércoles 10 y jueves 11 de julio</a:t>
-            </a:r>
-          </a:p>
-          <a:p>
+              <a:t>Programación II:</a:t>
+            </a:r>
+          </a:p>
+          <a:p>
+            <a:pPr lvl="1"/>
             <a:r>
               <a:rPr lang="es-AR" dirty="0" smtClean="0">
                 <a:effectLst>
@@ -9682,7 +9673,87 @@
                   </a:outerShdw>
                 </a:effectLst>
               </a:rPr>
-              <a:t>Segundo llamado: </a:t>
+              <a:t>Martes 16 y 30 de julio (válidos como fecha para </a:t>
+            </a:r>
+            <a:r>
+              <a:rPr lang="es-AR" dirty="0" err="1" smtClean="0">
+                <a:effectLst>
+                  <a:outerShdw blurRad="38100" dist="38100" dir="2700000" algn="tl">
+                    <a:srgbClr val="000000">
+                      <a:alpha val="43137"/>
+                    </a:srgbClr>
+                  </a:outerShdw>
+                </a:effectLst>
+              </a:rPr>
+              <a:t>recuperatorio</a:t>
+            </a:r>
+            <a:r>
+              <a:rPr lang="es-AR" dirty="0" smtClean="0">
+                <a:effectLst>
+                  <a:outerShdw blurRad="38100" dist="38100" dir="2700000" algn="tl">
+                    <a:srgbClr val="000000">
+                      <a:alpha val="43137"/>
+                    </a:srgbClr>
+                  </a:outerShdw>
+                </a:effectLst>
+              </a:rPr>
+              <a:t> de parciales)</a:t>
+            </a:r>
+          </a:p>
+          <a:p>
+            <a:pPr lvl="1"/>
+            <a:r>
+              <a:rPr lang="es-AR" dirty="0" smtClean="0">
+                <a:effectLst>
+                  <a:outerShdw blurRad="38100" dist="38100" dir="2700000" algn="tl">
+                    <a:srgbClr val="000000">
+                      <a:alpha val="43137"/>
+                    </a:srgbClr>
+                  </a:outerShdw>
+                </a:effectLst>
+              </a:rPr>
+              <a:t>Martes 6 de agosto (sólo finales)</a:t>
+            </a:r>
+          </a:p>
+          <a:p>
+            <a:pPr lvl="1"/>
+            <a:endParaRPr lang="es-AR" dirty="0" smtClean="0">
+              <a:effectLst>
+                <a:outerShdw blurRad="38100" dist="38100" dir="2700000" algn="tl">
+                  <a:srgbClr val="000000">
+                    <a:alpha val="43137"/>
+                  </a:srgbClr>
+                </a:outerShdw>
+              </a:effectLst>
+            </a:endParaRPr>
+          </a:p>
+          <a:p>
+            <a:r>
+              <a:rPr lang="es-AR" dirty="0" smtClean="0">
+                <a:effectLst>
+                  <a:outerShdw blurRad="38100" dist="38100" dir="2700000" algn="tl">
+                    <a:srgbClr val="000000">
+                      <a:alpha val="43137"/>
+                    </a:srgbClr>
+                  </a:outerShdw>
+                </a:effectLst>
+              </a:rPr>
+              <a:t>Laboratorio II:</a:t>
+            </a:r>
+          </a:p>
+          <a:p>
+            <a:pPr lvl="1"/>
+            <a:r>
+              <a:rPr lang="es-AR" dirty="0" smtClean="0">
+                <a:effectLst>
+                  <a:outerShdw blurRad="38100" dist="38100" dir="2700000" algn="tl">
+                    <a:srgbClr val="000000">
+                      <a:alpha val="43137"/>
+                    </a:srgbClr>
+                  </a:outerShdw>
+                </a:effectLst>
+              </a:rPr>
+              <a:t>Jueves 11 y 18 de julio</a:t>
             </a:r>
             <a:r>
               <a:rPr lang="es-AR" dirty="0">
@@ -9694,7 +9765,31 @@
                   </a:outerShdw>
                 </a:effectLst>
               </a:rPr>
-              <a:t>miércoles </a:t>
+              <a:t> (válidos como fecha para </a:t>
+            </a:r>
+            <a:r>
+              <a:rPr lang="es-AR" dirty="0" err="1">
+                <a:effectLst>
+                  <a:outerShdw blurRad="38100" dist="38100" dir="2700000" algn="tl">
+                    <a:srgbClr val="000000">
+                      <a:alpha val="43137"/>
+                    </a:srgbClr>
+                  </a:outerShdw>
+                </a:effectLst>
+              </a:rPr>
+              <a:t>recuperatorio</a:t>
+            </a:r>
+            <a:r>
+              <a:rPr lang="es-AR" dirty="0">
+                <a:effectLst>
+                  <a:outerShdw blurRad="38100" dist="38100" dir="2700000" algn="tl">
+                    <a:srgbClr val="000000">
+                      <a:alpha val="43137"/>
+                    </a:srgbClr>
+                  </a:outerShdw>
+                </a:effectLst>
+              </a:rPr>
+              <a:t> de </a:t>
             </a:r>
             <a:r>
               <a:rPr lang="es-AR" dirty="0" smtClean="0">
@@ -9706,42 +9801,11 @@
                   </a:outerShdw>
                 </a:effectLst>
               </a:rPr>
-              <a:t>17 y jueves 18 de </a:t>
-            </a:r>
-            <a:r>
-              <a:rPr lang="es-AR" dirty="0">
-                <a:effectLst>
-                  <a:outerShdw blurRad="38100" dist="38100" dir="2700000" algn="tl">
-                    <a:srgbClr val="000000">
-                      <a:alpha val="43137"/>
-                    </a:srgbClr>
-                  </a:outerShdw>
-                </a:effectLst>
-              </a:rPr>
-              <a:t>julio</a:t>
-            </a:r>
-            <a:endParaRPr lang="es-AR" dirty="0" smtClean="0">
-              <a:effectLst>
-                <a:outerShdw blurRad="38100" dist="38100" dir="2700000" algn="tl">
-                  <a:srgbClr val="000000">
-                    <a:alpha val="43137"/>
-                  </a:srgbClr>
-                </a:outerShdw>
-              </a:effectLst>
-            </a:endParaRPr>
-          </a:p>
-          <a:p>
-            <a:endParaRPr lang="es-AR" dirty="0" smtClean="0">
-              <a:effectLst>
-                <a:outerShdw blurRad="38100" dist="38100" dir="2700000" algn="tl">
-                  <a:srgbClr val="000000">
-                    <a:alpha val="43137"/>
-                  </a:srgbClr>
-                </a:outerShdw>
-              </a:effectLst>
-            </a:endParaRPr>
-          </a:p>
-          <a:p>
+              <a:t>parciales)</a:t>
+            </a:r>
+          </a:p>
+          <a:p>
+            <a:pPr lvl="1"/>
             <a:r>
               <a:rPr lang="es-AR" dirty="0" smtClean="0">
                 <a:effectLst>
@@ -9752,10 +9816,8 @@
                   </a:outerShdw>
                 </a:effectLst>
               </a:rPr>
-              <a:t>Tercer llamado: miércoles 31 de julio y jueves 1 de agosto</a:t>
-            </a:r>
-          </a:p>
-          <a:p>
+              <a:t>Jueves1 de agosto (sólo finales)</a:t>
+            </a:r>
             <a:endParaRPr lang="es-AR" dirty="0"/>
           </a:p>
           <a:p>
